--- a/vmextension-for-azurekeyvault/images/figures.pptx
+++ b/vmextension-for-azurekeyvault/images/figures.pptx
@@ -4,11 +4,15 @@
   <p:sldMasterIdLst>
     <p:sldMasterId id="2147483648" r:id="rId1"/>
   </p:sldMasterIdLst>
+  <p:notesMasterIdLst>
+    <p:notesMasterId r:id="rId7"/>
+  </p:notesMasterIdLst>
   <p:sldIdLst>
     <p:sldId id="256" r:id="rId2"/>
     <p:sldId id="257" r:id="rId3"/>
     <p:sldId id="258" r:id="rId4"/>
     <p:sldId id="259" r:id="rId5"/>
+    <p:sldId id="260" r:id="rId6"/>
   </p:sldIdLst>
   <p:sldSz cx="12192000" cy="6858000"/>
   <p:notesSz cx="6858000" cy="9144000"/>
@@ -108,6 +112,471 @@
     </a:lvl9pPr>
   </p:defaultTextStyle>
 </p:presentation>
+</file>
+
+<file path=ppt/notesMasters/notesMaster1.xml><?xml version="1.0" encoding="utf-8"?>
+<p:notesMaster xmlns:a="http://schemas.openxmlformats.org/drawingml/2006/main" xmlns:r="http://schemas.openxmlformats.org/officeDocument/2006/relationships" xmlns:p="http://schemas.openxmlformats.org/presentationml/2006/main">
+  <p:cSld>
+    <p:bg>
+      <p:bgRef idx="1001">
+        <a:schemeClr val="bg1"/>
+      </p:bgRef>
+    </p:bg>
+    <p:spTree>
+      <p:nvGrpSpPr>
+        <p:cNvPr id="1" name=""/>
+        <p:cNvGrpSpPr/>
+        <p:nvPr/>
+      </p:nvGrpSpPr>
+      <p:grpSpPr>
+        <a:xfrm>
+          <a:off x="0" y="0"/>
+          <a:ext cx="0" cy="0"/>
+          <a:chOff x="0" y="0"/>
+          <a:chExt cx="0" cy="0"/>
+        </a:xfrm>
+      </p:grpSpPr>
+      <p:sp>
+        <p:nvSpPr>
+          <p:cNvPr id="2" name="ヘッダー プレースホルダー 1"/>
+          <p:cNvSpPr>
+            <a:spLocks noGrp="1"/>
+          </p:cNvSpPr>
+          <p:nvPr>
+            <p:ph type="hdr" sz="quarter"/>
+          </p:nvPr>
+        </p:nvSpPr>
+        <p:spPr>
+          <a:xfrm>
+            <a:off x="0" y="0"/>
+            <a:ext cx="2971800" cy="458788"/>
+          </a:xfrm>
+          <a:prstGeom prst="rect">
+            <a:avLst/>
+          </a:prstGeom>
+        </p:spPr>
+        <p:txBody>
+          <a:bodyPr vert="horz" lIns="91440" tIns="45720" rIns="91440" bIns="45720" rtlCol="0"/>
+          <a:lstStyle>
+            <a:lvl1pPr algn="l">
+              <a:defRPr sz="1200"/>
+            </a:lvl1pPr>
+          </a:lstStyle>
+          <a:p>
+            <a:endParaRPr kumimoji="1" lang="ja-JP" altLang="en-US"/>
+          </a:p>
+        </p:txBody>
+      </p:sp>
+      <p:sp>
+        <p:nvSpPr>
+          <p:cNvPr id="3" name="日付プレースホルダー 2"/>
+          <p:cNvSpPr>
+            <a:spLocks noGrp="1"/>
+          </p:cNvSpPr>
+          <p:nvPr>
+            <p:ph type="dt" idx="1"/>
+          </p:nvPr>
+        </p:nvSpPr>
+        <p:spPr>
+          <a:xfrm>
+            <a:off x="3884613" y="0"/>
+            <a:ext cx="2971800" cy="458788"/>
+          </a:xfrm>
+          <a:prstGeom prst="rect">
+            <a:avLst/>
+          </a:prstGeom>
+        </p:spPr>
+        <p:txBody>
+          <a:bodyPr vert="horz" lIns="91440" tIns="45720" rIns="91440" bIns="45720" rtlCol="0"/>
+          <a:lstStyle>
+            <a:lvl1pPr algn="r">
+              <a:defRPr sz="1200"/>
+            </a:lvl1pPr>
+          </a:lstStyle>
+          <a:p>
+            <a:fld id="{52166586-76F7-4F5F-BB8F-93D6699C073D}" type="datetimeFigureOut">
+              <a:rPr kumimoji="1" lang="ja-JP" altLang="en-US" smtClean="0"/>
+              <a:t>2020/12/16</a:t>
+            </a:fld>
+            <a:endParaRPr kumimoji="1" lang="ja-JP" altLang="en-US"/>
+          </a:p>
+        </p:txBody>
+      </p:sp>
+      <p:sp>
+        <p:nvSpPr>
+          <p:cNvPr id="4" name="スライド イメージ プレースホルダー 3"/>
+          <p:cNvSpPr>
+            <a:spLocks noGrp="1" noRot="1" noChangeAspect="1"/>
+          </p:cNvSpPr>
+          <p:nvPr>
+            <p:ph type="sldImg" idx="2"/>
+          </p:nvPr>
+        </p:nvSpPr>
+        <p:spPr>
+          <a:xfrm>
+            <a:off x="685800" y="1143000"/>
+            <a:ext cx="5486400" cy="3086100"/>
+          </a:xfrm>
+          <a:prstGeom prst="rect">
+            <a:avLst/>
+          </a:prstGeom>
+          <a:noFill/>
+          <a:ln w="12700">
+            <a:solidFill>
+              <a:prstClr val="black"/>
+            </a:solidFill>
+          </a:ln>
+        </p:spPr>
+        <p:txBody>
+          <a:bodyPr vert="horz" lIns="91440" tIns="45720" rIns="91440" bIns="45720" rtlCol="0" anchor="ctr"/>
+          <a:lstStyle/>
+          <a:p>
+            <a:endParaRPr lang="ja-JP" altLang="en-US"/>
+          </a:p>
+        </p:txBody>
+      </p:sp>
+      <p:sp>
+        <p:nvSpPr>
+          <p:cNvPr id="5" name="ノート プレースホルダー 4"/>
+          <p:cNvSpPr>
+            <a:spLocks noGrp="1"/>
+          </p:cNvSpPr>
+          <p:nvPr>
+            <p:ph type="body" sz="quarter" idx="3"/>
+          </p:nvPr>
+        </p:nvSpPr>
+        <p:spPr>
+          <a:xfrm>
+            <a:off x="685800" y="4400550"/>
+            <a:ext cx="5486400" cy="3600450"/>
+          </a:xfrm>
+          <a:prstGeom prst="rect">
+            <a:avLst/>
+          </a:prstGeom>
+        </p:spPr>
+        <p:txBody>
+          <a:bodyPr vert="horz" lIns="91440" tIns="45720" rIns="91440" bIns="45720" rtlCol="0"/>
+          <a:lstStyle/>
+          <a:p>
+            <a:pPr lvl="0"/>
+            <a:r>
+              <a:rPr kumimoji="1" lang="ja-JP" altLang="en-US"/>
+              <a:t>マスター テキストの書式設定</a:t>
+            </a:r>
+          </a:p>
+          <a:p>
+            <a:pPr lvl="1"/>
+            <a:r>
+              <a:rPr kumimoji="1" lang="ja-JP" altLang="en-US"/>
+              <a:t>第 </a:t>
+            </a:r>
+            <a:r>
+              <a:rPr kumimoji="1" lang="en-US" altLang="ja-JP"/>
+              <a:t>2 </a:t>
+            </a:r>
+            <a:r>
+              <a:rPr kumimoji="1" lang="ja-JP" altLang="en-US"/>
+              <a:t>レベル</a:t>
+            </a:r>
+          </a:p>
+          <a:p>
+            <a:pPr lvl="2"/>
+            <a:r>
+              <a:rPr kumimoji="1" lang="ja-JP" altLang="en-US"/>
+              <a:t>第 </a:t>
+            </a:r>
+            <a:r>
+              <a:rPr kumimoji="1" lang="en-US" altLang="ja-JP"/>
+              <a:t>3 </a:t>
+            </a:r>
+            <a:r>
+              <a:rPr kumimoji="1" lang="ja-JP" altLang="en-US"/>
+              <a:t>レベル</a:t>
+            </a:r>
+          </a:p>
+          <a:p>
+            <a:pPr lvl="3"/>
+            <a:r>
+              <a:rPr kumimoji="1" lang="ja-JP" altLang="en-US"/>
+              <a:t>第 </a:t>
+            </a:r>
+            <a:r>
+              <a:rPr kumimoji="1" lang="en-US" altLang="ja-JP"/>
+              <a:t>4 </a:t>
+            </a:r>
+            <a:r>
+              <a:rPr kumimoji="1" lang="ja-JP" altLang="en-US"/>
+              <a:t>レベル</a:t>
+            </a:r>
+          </a:p>
+          <a:p>
+            <a:pPr lvl="4"/>
+            <a:r>
+              <a:rPr kumimoji="1" lang="ja-JP" altLang="en-US"/>
+              <a:t>第 </a:t>
+            </a:r>
+            <a:r>
+              <a:rPr kumimoji="1" lang="en-US" altLang="ja-JP"/>
+              <a:t>5 </a:t>
+            </a:r>
+            <a:r>
+              <a:rPr kumimoji="1" lang="ja-JP" altLang="en-US"/>
+              <a:t>レベル</a:t>
+            </a:r>
+          </a:p>
+        </p:txBody>
+      </p:sp>
+      <p:sp>
+        <p:nvSpPr>
+          <p:cNvPr id="6" name="フッター プレースホルダー 5"/>
+          <p:cNvSpPr>
+            <a:spLocks noGrp="1"/>
+          </p:cNvSpPr>
+          <p:nvPr>
+            <p:ph type="ftr" sz="quarter" idx="4"/>
+          </p:nvPr>
+        </p:nvSpPr>
+        <p:spPr>
+          <a:xfrm>
+            <a:off x="0" y="8685213"/>
+            <a:ext cx="2971800" cy="458787"/>
+          </a:xfrm>
+          <a:prstGeom prst="rect">
+            <a:avLst/>
+          </a:prstGeom>
+        </p:spPr>
+        <p:txBody>
+          <a:bodyPr vert="horz" lIns="91440" tIns="45720" rIns="91440" bIns="45720" rtlCol="0" anchor="b"/>
+          <a:lstStyle>
+            <a:lvl1pPr algn="l">
+              <a:defRPr sz="1200"/>
+            </a:lvl1pPr>
+          </a:lstStyle>
+          <a:p>
+            <a:endParaRPr kumimoji="1" lang="ja-JP" altLang="en-US"/>
+          </a:p>
+        </p:txBody>
+      </p:sp>
+      <p:sp>
+        <p:nvSpPr>
+          <p:cNvPr id="7" name="スライド番号プレースホルダー 6"/>
+          <p:cNvSpPr>
+            <a:spLocks noGrp="1"/>
+          </p:cNvSpPr>
+          <p:nvPr>
+            <p:ph type="sldNum" sz="quarter" idx="5"/>
+          </p:nvPr>
+        </p:nvSpPr>
+        <p:spPr>
+          <a:xfrm>
+            <a:off x="3884613" y="8685213"/>
+            <a:ext cx="2971800" cy="458787"/>
+          </a:xfrm>
+          <a:prstGeom prst="rect">
+            <a:avLst/>
+          </a:prstGeom>
+        </p:spPr>
+        <p:txBody>
+          <a:bodyPr vert="horz" lIns="91440" tIns="45720" rIns="91440" bIns="45720" rtlCol="0" anchor="b"/>
+          <a:lstStyle>
+            <a:lvl1pPr algn="r">
+              <a:defRPr sz="1200"/>
+            </a:lvl1pPr>
+          </a:lstStyle>
+          <a:p>
+            <a:fld id="{4A5A7105-E8A8-4A63-ADF6-13D5D3BD7787}" type="slidenum">
+              <a:rPr kumimoji="1" lang="ja-JP" altLang="en-US" smtClean="0"/>
+              <a:t>‹#›</a:t>
+            </a:fld>
+            <a:endParaRPr kumimoji="1" lang="ja-JP" altLang="en-US"/>
+          </a:p>
+        </p:txBody>
+      </p:sp>
+    </p:spTree>
+    <p:extLst>
+      <p:ext uri="{BB962C8B-B14F-4D97-AF65-F5344CB8AC3E}">
+        <p14:creationId xmlns:p14="http://schemas.microsoft.com/office/powerpoint/2010/main" val="864518885"/>
+      </p:ext>
+    </p:extLst>
+  </p:cSld>
+  <p:clrMap bg1="lt1" tx1="dk1" bg2="lt2" tx2="dk2" accent1="accent1" accent2="accent2" accent3="accent3" accent4="accent4" accent5="accent5" accent6="accent6" hlink="hlink" folHlink="folHlink"/>
+  <p:notesStyle>
+    <a:lvl1pPr marL="0" algn="l" defTabSz="914400" rtl="0" eaLnBrk="1" latinLnBrk="0" hangingPunct="1">
+      <a:defRPr kumimoji="1" sz="1200" kern="1200">
+        <a:solidFill>
+          <a:schemeClr val="tx1"/>
+        </a:solidFill>
+        <a:latin typeface="+mn-lt"/>
+        <a:ea typeface="+mn-ea"/>
+        <a:cs typeface="+mn-cs"/>
+      </a:defRPr>
+    </a:lvl1pPr>
+    <a:lvl2pPr marL="457200" algn="l" defTabSz="914400" rtl="0" eaLnBrk="1" latinLnBrk="0" hangingPunct="1">
+      <a:defRPr kumimoji="1" sz="1200" kern="1200">
+        <a:solidFill>
+          <a:schemeClr val="tx1"/>
+        </a:solidFill>
+        <a:latin typeface="+mn-lt"/>
+        <a:ea typeface="+mn-ea"/>
+        <a:cs typeface="+mn-cs"/>
+      </a:defRPr>
+    </a:lvl2pPr>
+    <a:lvl3pPr marL="914400" algn="l" defTabSz="914400" rtl="0" eaLnBrk="1" latinLnBrk="0" hangingPunct="1">
+      <a:defRPr kumimoji="1" sz="1200" kern="1200">
+        <a:solidFill>
+          <a:schemeClr val="tx1"/>
+        </a:solidFill>
+        <a:latin typeface="+mn-lt"/>
+        <a:ea typeface="+mn-ea"/>
+        <a:cs typeface="+mn-cs"/>
+      </a:defRPr>
+    </a:lvl3pPr>
+    <a:lvl4pPr marL="1371600" algn="l" defTabSz="914400" rtl="0" eaLnBrk="1" latinLnBrk="0" hangingPunct="1">
+      <a:defRPr kumimoji="1" sz="1200" kern="1200">
+        <a:solidFill>
+          <a:schemeClr val="tx1"/>
+        </a:solidFill>
+        <a:latin typeface="+mn-lt"/>
+        <a:ea typeface="+mn-ea"/>
+        <a:cs typeface="+mn-cs"/>
+      </a:defRPr>
+    </a:lvl4pPr>
+    <a:lvl5pPr marL="1828800" algn="l" defTabSz="914400" rtl="0" eaLnBrk="1" latinLnBrk="0" hangingPunct="1">
+      <a:defRPr kumimoji="1" sz="1200" kern="1200">
+        <a:solidFill>
+          <a:schemeClr val="tx1"/>
+        </a:solidFill>
+        <a:latin typeface="+mn-lt"/>
+        <a:ea typeface="+mn-ea"/>
+        <a:cs typeface="+mn-cs"/>
+      </a:defRPr>
+    </a:lvl5pPr>
+    <a:lvl6pPr marL="2286000" algn="l" defTabSz="914400" rtl="0" eaLnBrk="1" latinLnBrk="0" hangingPunct="1">
+      <a:defRPr kumimoji="1" sz="1200" kern="1200">
+        <a:solidFill>
+          <a:schemeClr val="tx1"/>
+        </a:solidFill>
+        <a:latin typeface="+mn-lt"/>
+        <a:ea typeface="+mn-ea"/>
+        <a:cs typeface="+mn-cs"/>
+      </a:defRPr>
+    </a:lvl6pPr>
+    <a:lvl7pPr marL="2743200" algn="l" defTabSz="914400" rtl="0" eaLnBrk="1" latinLnBrk="0" hangingPunct="1">
+      <a:defRPr kumimoji="1" sz="1200" kern="1200">
+        <a:solidFill>
+          <a:schemeClr val="tx1"/>
+        </a:solidFill>
+        <a:latin typeface="+mn-lt"/>
+        <a:ea typeface="+mn-ea"/>
+        <a:cs typeface="+mn-cs"/>
+      </a:defRPr>
+    </a:lvl7pPr>
+    <a:lvl8pPr marL="3200400" algn="l" defTabSz="914400" rtl="0" eaLnBrk="1" latinLnBrk="0" hangingPunct="1">
+      <a:defRPr kumimoji="1" sz="1200" kern="1200">
+        <a:solidFill>
+          <a:schemeClr val="tx1"/>
+        </a:solidFill>
+        <a:latin typeface="+mn-lt"/>
+        <a:ea typeface="+mn-ea"/>
+        <a:cs typeface="+mn-cs"/>
+      </a:defRPr>
+    </a:lvl8pPr>
+    <a:lvl9pPr marL="3657600" algn="l" defTabSz="914400" rtl="0" eaLnBrk="1" latinLnBrk="0" hangingPunct="1">
+      <a:defRPr kumimoji="1" sz="1200" kern="1200">
+        <a:solidFill>
+          <a:schemeClr val="tx1"/>
+        </a:solidFill>
+        <a:latin typeface="+mn-lt"/>
+        <a:ea typeface="+mn-ea"/>
+        <a:cs typeface="+mn-cs"/>
+      </a:defRPr>
+    </a:lvl9pPr>
+  </p:notesStyle>
+</p:notesMaster>
+</file>
+
+<file path=ppt/notesSlides/notesSlide1.xml><?xml version="1.0" encoding="utf-8"?>
+<p:notes xmlns:a="http://schemas.openxmlformats.org/drawingml/2006/main" xmlns:r="http://schemas.openxmlformats.org/officeDocument/2006/relationships" xmlns:p="http://schemas.openxmlformats.org/presentationml/2006/main">
+  <p:cSld>
+    <p:spTree>
+      <p:nvGrpSpPr>
+        <p:cNvPr id="1" name=""/>
+        <p:cNvGrpSpPr/>
+        <p:nvPr/>
+      </p:nvGrpSpPr>
+      <p:grpSpPr>
+        <a:xfrm>
+          <a:off x="0" y="0"/>
+          <a:ext cx="0" cy="0"/>
+          <a:chOff x="0" y="0"/>
+          <a:chExt cx="0" cy="0"/>
+        </a:xfrm>
+      </p:grpSpPr>
+      <p:sp>
+        <p:nvSpPr>
+          <p:cNvPr id="2" name="スライド イメージ プレースホルダー 1"/>
+          <p:cNvSpPr>
+            <a:spLocks noGrp="1" noRot="1" noChangeAspect="1"/>
+          </p:cNvSpPr>
+          <p:nvPr>
+            <p:ph type="sldImg"/>
+          </p:nvPr>
+        </p:nvSpPr>
+        <p:spPr/>
+      </p:sp>
+      <p:sp>
+        <p:nvSpPr>
+          <p:cNvPr id="3" name="ノート プレースホルダー 2"/>
+          <p:cNvSpPr>
+            <a:spLocks noGrp="1"/>
+          </p:cNvSpPr>
+          <p:nvPr>
+            <p:ph type="body" idx="1"/>
+          </p:nvPr>
+        </p:nvSpPr>
+        <p:spPr/>
+        <p:txBody>
+          <a:bodyPr/>
+          <a:lstStyle/>
+          <a:p>
+            <a:endParaRPr kumimoji="1" lang="ja-JP" altLang="en-US" dirty="0"/>
+          </a:p>
+        </p:txBody>
+      </p:sp>
+      <p:sp>
+        <p:nvSpPr>
+          <p:cNvPr id="4" name="スライド番号プレースホルダー 3"/>
+          <p:cNvSpPr>
+            <a:spLocks noGrp="1"/>
+          </p:cNvSpPr>
+          <p:nvPr>
+            <p:ph type="sldNum" sz="quarter" idx="5"/>
+          </p:nvPr>
+        </p:nvSpPr>
+        <p:spPr/>
+        <p:txBody>
+          <a:bodyPr/>
+          <a:lstStyle/>
+          <a:p>
+            <a:fld id="{4A5A7105-E8A8-4A63-ADF6-13D5D3BD7787}" type="slidenum">
+              <a:rPr kumimoji="1" lang="ja-JP" altLang="en-US" smtClean="0"/>
+              <a:t>5</a:t>
+            </a:fld>
+            <a:endParaRPr kumimoji="1" lang="ja-JP" altLang="en-US"/>
+          </a:p>
+        </p:txBody>
+      </p:sp>
+    </p:spTree>
+    <p:extLst>
+      <p:ext uri="{BB962C8B-B14F-4D97-AF65-F5344CB8AC3E}">
+        <p14:creationId xmlns:p14="http://schemas.microsoft.com/office/powerpoint/2010/main" val="1141899867"/>
+      </p:ext>
+    </p:extLst>
+  </p:cSld>
+  <p:clrMapOvr>
+    <a:masterClrMapping/>
+  </p:clrMapOvr>
+</p:notes>
 </file>
 
 <file path=ppt/slideLayouts/slideLayout1.xml><?xml version="1.0" encoding="utf-8"?>
@@ -7625,6 +8094,662 @@
 </p:sld>
 </file>
 
+<file path=ppt/slides/slide5.xml><?xml version="1.0" encoding="utf-8"?>
+<p:sld xmlns:a="http://schemas.openxmlformats.org/drawingml/2006/main" xmlns:r="http://schemas.openxmlformats.org/officeDocument/2006/relationships" xmlns:p="http://schemas.openxmlformats.org/presentationml/2006/main">
+  <p:cSld>
+    <p:spTree>
+      <p:nvGrpSpPr>
+        <p:cNvPr id="1" name=""/>
+        <p:cNvGrpSpPr/>
+        <p:nvPr/>
+      </p:nvGrpSpPr>
+      <p:grpSpPr>
+        <a:xfrm>
+          <a:off x="0" y="0"/>
+          <a:ext cx="0" cy="0"/>
+          <a:chOff x="0" y="0"/>
+          <a:chExt cx="0" cy="0"/>
+        </a:xfrm>
+      </p:grpSpPr>
+      <p:pic>
+        <p:nvPicPr>
+          <p:cNvPr id="28" name="図 27">
+            <a:extLst>
+              <a:ext uri="{FF2B5EF4-FFF2-40B4-BE49-F238E27FC236}">
+                <a16:creationId xmlns:a16="http://schemas.microsoft.com/office/drawing/2014/main" id="{F1C22634-0B38-4114-A841-5DEB9008CFA9}"/>
+              </a:ext>
+            </a:extLst>
+          </p:cNvPr>
+          <p:cNvPicPr>
+            <a:picLocks noChangeAspect="1"/>
+          </p:cNvPicPr>
+          <p:nvPr/>
+        </p:nvPicPr>
+        <p:blipFill>
+          <a:blip r:embed="rId3"/>
+          <a:stretch>
+            <a:fillRect/>
+          </a:stretch>
+        </p:blipFill>
+        <p:spPr>
+          <a:xfrm>
+            <a:off x="6691493" y="1320264"/>
+            <a:ext cx="5816088" cy="2078916"/>
+          </a:xfrm>
+          <a:prstGeom prst="rect">
+            <a:avLst/>
+          </a:prstGeom>
+        </p:spPr>
+      </p:pic>
+      <p:grpSp>
+        <p:nvGrpSpPr>
+          <p:cNvPr id="9" name="グループ化 8">
+            <a:extLst>
+              <a:ext uri="{FF2B5EF4-FFF2-40B4-BE49-F238E27FC236}">
+                <a16:creationId xmlns:a16="http://schemas.microsoft.com/office/drawing/2014/main" id="{CEBE1869-B8B6-4776-BCFE-A23510324019}"/>
+              </a:ext>
+            </a:extLst>
+          </p:cNvPr>
+          <p:cNvGrpSpPr/>
+          <p:nvPr/>
+        </p:nvGrpSpPr>
+        <p:grpSpPr>
+          <a:xfrm>
+            <a:off x="458135" y="1086947"/>
+            <a:ext cx="6037454" cy="4684105"/>
+            <a:chOff x="1133771" y="627281"/>
+            <a:chExt cx="7305319" cy="5667768"/>
+          </a:xfrm>
+        </p:grpSpPr>
+        <p:pic>
+          <p:nvPicPr>
+            <p:cNvPr id="8" name="図 7">
+              <a:extLst>
+                <a:ext uri="{FF2B5EF4-FFF2-40B4-BE49-F238E27FC236}">
+                  <a16:creationId xmlns:a16="http://schemas.microsoft.com/office/drawing/2014/main" id="{9C52C923-0A5B-449C-8BEF-435C8530A0F4}"/>
+                </a:ext>
+              </a:extLst>
+            </p:cNvPr>
+            <p:cNvPicPr>
+              <a:picLocks noChangeAspect="1"/>
+            </p:cNvPicPr>
+            <p:nvPr/>
+          </p:nvPicPr>
+          <p:blipFill>
+            <a:blip r:embed="rId4"/>
+            <a:stretch>
+              <a:fillRect/>
+            </a:stretch>
+          </p:blipFill>
+          <p:spPr>
+            <a:xfrm>
+              <a:off x="1133771" y="627281"/>
+              <a:ext cx="7305319" cy="5667768"/>
+            </a:xfrm>
+            <a:prstGeom prst="rect">
+              <a:avLst/>
+            </a:prstGeom>
+          </p:spPr>
+        </p:pic>
+        <p:sp>
+          <p:nvSpPr>
+            <p:cNvPr id="4" name="四角形: 角を丸くする 3">
+              <a:extLst>
+                <a:ext uri="{FF2B5EF4-FFF2-40B4-BE49-F238E27FC236}">
+                  <a16:creationId xmlns:a16="http://schemas.microsoft.com/office/drawing/2014/main" id="{DD2678CD-E341-4867-BFF1-3C59A691D006}"/>
+                </a:ext>
+              </a:extLst>
+            </p:cNvPr>
+            <p:cNvSpPr/>
+            <p:nvPr/>
+          </p:nvSpPr>
+          <p:spPr>
+            <a:xfrm>
+              <a:off x="6203216" y="5598385"/>
+              <a:ext cx="666271" cy="274912"/>
+            </a:xfrm>
+            <a:prstGeom prst="roundRect">
+              <a:avLst/>
+            </a:prstGeom>
+            <a:noFill/>
+            <a:ln w="28575">
+              <a:solidFill>
+                <a:srgbClr val="FF0000"/>
+              </a:solidFill>
+            </a:ln>
+          </p:spPr>
+          <p:style>
+            <a:lnRef idx="2">
+              <a:schemeClr val="accent1">
+                <a:shade val="50000"/>
+              </a:schemeClr>
+            </a:lnRef>
+            <a:fillRef idx="1">
+              <a:schemeClr val="accent1"/>
+            </a:fillRef>
+            <a:effectRef idx="0">
+              <a:schemeClr val="accent1"/>
+            </a:effectRef>
+            <a:fontRef idx="minor">
+              <a:schemeClr val="lt1"/>
+            </a:fontRef>
+          </p:style>
+          <p:txBody>
+            <a:bodyPr rtlCol="0" anchor="ctr"/>
+            <a:lstStyle/>
+            <a:p>
+              <a:pPr algn="ctr"/>
+              <a:endParaRPr kumimoji="1" lang="ja-JP" altLang="en-US">
+                <a:solidFill>
+                  <a:srgbClr val="FF0000"/>
+                </a:solidFill>
+              </a:endParaRPr>
+            </a:p>
+          </p:txBody>
+        </p:sp>
+        <p:sp>
+          <p:nvSpPr>
+            <p:cNvPr id="6" name="四角形: 角を丸くする 5">
+              <a:extLst>
+                <a:ext uri="{FF2B5EF4-FFF2-40B4-BE49-F238E27FC236}">
+                  <a16:creationId xmlns:a16="http://schemas.microsoft.com/office/drawing/2014/main" id="{1D2C6BA9-742B-4A0B-953A-6CA48941D92D}"/>
+                </a:ext>
+              </a:extLst>
+            </p:cNvPr>
+            <p:cNvSpPr/>
+            <p:nvPr/>
+          </p:nvSpPr>
+          <p:spPr>
+            <a:xfrm>
+              <a:off x="2327894" y="3140839"/>
+              <a:ext cx="4113603" cy="218900"/>
+            </a:xfrm>
+            <a:prstGeom prst="roundRect">
+              <a:avLst/>
+            </a:prstGeom>
+            <a:noFill/>
+            <a:ln w="28575">
+              <a:solidFill>
+                <a:srgbClr val="FF0000"/>
+              </a:solidFill>
+            </a:ln>
+          </p:spPr>
+          <p:style>
+            <a:lnRef idx="2">
+              <a:schemeClr val="accent1">
+                <a:shade val="50000"/>
+              </a:schemeClr>
+            </a:lnRef>
+            <a:fillRef idx="1">
+              <a:schemeClr val="accent1"/>
+            </a:fillRef>
+            <a:effectRef idx="0">
+              <a:schemeClr val="accent1"/>
+            </a:effectRef>
+            <a:fontRef idx="minor">
+              <a:schemeClr val="lt1"/>
+            </a:fontRef>
+          </p:style>
+          <p:txBody>
+            <a:bodyPr rtlCol="0" anchor="ctr"/>
+            <a:lstStyle/>
+            <a:p>
+              <a:pPr algn="ctr"/>
+              <a:endParaRPr kumimoji="1" lang="ja-JP" altLang="en-US">
+                <a:solidFill>
+                  <a:srgbClr val="FF0000"/>
+                </a:solidFill>
+              </a:endParaRPr>
+            </a:p>
+          </p:txBody>
+        </p:sp>
+      </p:grpSp>
+      <p:cxnSp>
+        <p:nvCxnSpPr>
+          <p:cNvPr id="15" name="直線矢印コネクタ 14">
+            <a:extLst>
+              <a:ext uri="{FF2B5EF4-FFF2-40B4-BE49-F238E27FC236}">
+                <a16:creationId xmlns:a16="http://schemas.microsoft.com/office/drawing/2014/main" id="{AAAC07C2-E7D0-48C1-9035-7F8BC9C3DD49}"/>
+              </a:ext>
+            </a:extLst>
+          </p:cNvPr>
+          <p:cNvCxnSpPr>
+            <a:cxnSpLocks/>
+          </p:cNvCxnSpPr>
+          <p:nvPr/>
+        </p:nvCxnSpPr>
+        <p:spPr>
+          <a:xfrm flipV="1">
+            <a:off x="3279305" y="1669671"/>
+            <a:ext cx="3614722" cy="1426153"/>
+          </a:xfrm>
+          <a:prstGeom prst="straightConnector1">
+            <a:avLst/>
+          </a:prstGeom>
+          <a:ln w="28575">
+            <a:solidFill>
+              <a:srgbClr val="FF0000"/>
+            </a:solidFill>
+            <a:headEnd type="arrow" w="med" len="med"/>
+            <a:tailEnd type="none" w="med" len="med"/>
+          </a:ln>
+        </p:spPr>
+        <p:style>
+          <a:lnRef idx="1">
+            <a:schemeClr val="accent1"/>
+          </a:lnRef>
+          <a:fillRef idx="0">
+            <a:schemeClr val="accent1"/>
+          </a:fillRef>
+          <a:effectRef idx="0">
+            <a:schemeClr val="accent1"/>
+          </a:effectRef>
+          <a:fontRef idx="minor">
+            <a:schemeClr val="tx1"/>
+          </a:fontRef>
+        </p:style>
+      </p:cxnSp>
+      <p:sp>
+        <p:nvSpPr>
+          <p:cNvPr id="22" name="吹き出し: 角を丸めた四角形 21">
+            <a:extLst>
+              <a:ext uri="{FF2B5EF4-FFF2-40B4-BE49-F238E27FC236}">
+                <a16:creationId xmlns:a16="http://schemas.microsoft.com/office/drawing/2014/main" id="{011F7D84-84C2-483D-8C31-59DF51B18855}"/>
+              </a:ext>
+            </a:extLst>
+          </p:cNvPr>
+          <p:cNvSpPr/>
+          <p:nvPr/>
+        </p:nvSpPr>
+        <p:spPr>
+          <a:xfrm>
+            <a:off x="9506475" y="1626498"/>
+            <a:ext cx="1833769" cy="348337"/>
+          </a:xfrm>
+          <a:prstGeom prst="wedgeRoundRectCallout">
+            <a:avLst>
+              <a:gd name="adj1" fmla="val -85332"/>
+              <a:gd name="adj2" fmla="val 56793"/>
+              <a:gd name="adj3" fmla="val 16667"/>
+            </a:avLst>
+          </a:prstGeom>
+        </p:spPr>
+        <p:style>
+          <a:lnRef idx="2">
+            <a:schemeClr val="accent2"/>
+          </a:lnRef>
+          <a:fillRef idx="1">
+            <a:schemeClr val="lt1"/>
+          </a:fillRef>
+          <a:effectRef idx="0">
+            <a:schemeClr val="accent2"/>
+          </a:effectRef>
+          <a:fontRef idx="minor">
+            <a:schemeClr val="dk1"/>
+          </a:fontRef>
+        </p:style>
+        <p:txBody>
+          <a:bodyPr rtlCol="0" anchor="ctr"/>
+          <a:lstStyle/>
+          <a:p>
+            <a:pPr algn="ctr"/>
+            <a:r>
+              <a:rPr lang="ja-JP" altLang="en-US" sz="1200" dirty="0"/>
+              <a:t>ココから追加できない</a:t>
+            </a:r>
+            <a:endParaRPr kumimoji="1" lang="ja-JP" altLang="en-US" sz="1200" dirty="0"/>
+          </a:p>
+        </p:txBody>
+      </p:sp>
+      <p:pic>
+        <p:nvPicPr>
+          <p:cNvPr id="30" name="図 29">
+            <a:extLst>
+              <a:ext uri="{FF2B5EF4-FFF2-40B4-BE49-F238E27FC236}">
+                <a16:creationId xmlns:a16="http://schemas.microsoft.com/office/drawing/2014/main" id="{30E2FAAD-9B17-4466-9E03-8C1BEB6620FA}"/>
+              </a:ext>
+            </a:extLst>
+          </p:cNvPr>
+          <p:cNvPicPr>
+            <a:picLocks noChangeAspect="1"/>
+          </p:cNvPicPr>
+          <p:nvPr/>
+        </p:nvPicPr>
+        <p:blipFill>
+          <a:blip r:embed="rId5"/>
+          <a:stretch>
+            <a:fillRect/>
+          </a:stretch>
+        </p:blipFill>
+        <p:spPr>
+          <a:xfrm>
+            <a:off x="6616803" y="3924453"/>
+            <a:ext cx="6256424" cy="2070346"/>
+          </a:xfrm>
+          <a:prstGeom prst="rect">
+            <a:avLst/>
+          </a:prstGeom>
+        </p:spPr>
+      </p:pic>
+      <p:pic>
+        <p:nvPicPr>
+          <p:cNvPr id="32" name="図 31">
+            <a:extLst>
+              <a:ext uri="{FF2B5EF4-FFF2-40B4-BE49-F238E27FC236}">
+                <a16:creationId xmlns:a16="http://schemas.microsoft.com/office/drawing/2014/main" id="{CE40B615-E99A-41C5-8CA3-2FBF895056F8}"/>
+              </a:ext>
+            </a:extLst>
+          </p:cNvPr>
+          <p:cNvPicPr>
+            <a:picLocks noChangeAspect="1"/>
+          </p:cNvPicPr>
+          <p:nvPr/>
+        </p:nvPicPr>
+        <p:blipFill rotWithShape="1">
+          <a:blip r:embed="rId6">
+            <a:extLst>
+              <a:ext uri="{BEBA8EAE-BF5A-486C-A8C5-ECC9F3942E4B}">
+                <a14:imgProps xmlns:a14="http://schemas.microsoft.com/office/drawing/2010/main">
+                  <a14:imgLayer r:embed="rId7">
+                    <a14:imgEffect>
+                      <a14:artisticGlass/>
+                    </a14:imgEffect>
+                  </a14:imgLayer>
+                </a14:imgProps>
+              </a:ext>
+            </a:extLst>
+          </a:blip>
+          <a:srcRect l="6473" t="1753" r="58417" b="90566"/>
+          <a:stretch/>
+        </p:blipFill>
+        <p:spPr>
+          <a:xfrm>
+            <a:off x="7096538" y="3960743"/>
+            <a:ext cx="2196549" cy="159027"/>
+          </a:xfrm>
+          <a:prstGeom prst="rect">
+            <a:avLst/>
+          </a:prstGeom>
+        </p:spPr>
+      </p:pic>
+      <p:pic>
+        <p:nvPicPr>
+          <p:cNvPr id="34" name="図 33">
+            <a:extLst>
+              <a:ext uri="{FF2B5EF4-FFF2-40B4-BE49-F238E27FC236}">
+                <a16:creationId xmlns:a16="http://schemas.microsoft.com/office/drawing/2014/main" id="{8843CCDE-6F52-4F0C-881B-B856471BEE14}"/>
+              </a:ext>
+            </a:extLst>
+          </p:cNvPr>
+          <p:cNvPicPr>
+            <a:picLocks noChangeAspect="1"/>
+          </p:cNvPicPr>
+          <p:nvPr/>
+        </p:nvPicPr>
+        <p:blipFill rotWithShape="1">
+          <a:blip r:embed="rId6">
+            <a:extLst>
+              <a:ext uri="{BEBA8EAE-BF5A-486C-A8C5-ECC9F3942E4B}">
+                <a14:imgProps xmlns:a14="http://schemas.microsoft.com/office/drawing/2010/main">
+                  <a14:imgLayer r:embed="rId7">
+                    <a14:imgEffect>
+                      <a14:artisticGlass/>
+                    </a14:imgEffect>
+                  </a14:imgLayer>
+                </a14:imgProps>
+              </a:ext>
+            </a:extLst>
+          </a:blip>
+          <a:srcRect l="21168" t="9434" r="45310" b="77843"/>
+          <a:stretch/>
+        </p:blipFill>
+        <p:spPr>
+          <a:xfrm>
+            <a:off x="8015909" y="4119769"/>
+            <a:ext cx="2097156" cy="263388"/>
+          </a:xfrm>
+          <a:prstGeom prst="rect">
+            <a:avLst/>
+          </a:prstGeom>
+        </p:spPr>
+      </p:pic>
+      <p:pic>
+        <p:nvPicPr>
+          <p:cNvPr id="36" name="図 35">
+            <a:extLst>
+              <a:ext uri="{FF2B5EF4-FFF2-40B4-BE49-F238E27FC236}">
+                <a16:creationId xmlns:a16="http://schemas.microsoft.com/office/drawing/2014/main" id="{56A1D3AA-129B-4FE6-9B1C-BA68683FB4F5}"/>
+              </a:ext>
+            </a:extLst>
+          </p:cNvPr>
+          <p:cNvPicPr>
+            <a:picLocks noChangeAspect="1"/>
+          </p:cNvPicPr>
+          <p:nvPr/>
+        </p:nvPicPr>
+        <p:blipFill rotWithShape="1">
+          <a:blip r:embed="rId6">
+            <a:extLst>
+              <a:ext uri="{BEBA8EAE-BF5A-486C-A8C5-ECC9F3942E4B}">
+                <a14:imgProps xmlns:a14="http://schemas.microsoft.com/office/drawing/2010/main">
+                  <a14:imgLayer r:embed="rId7">
+                    <a14:imgEffect>
+                      <a14:artisticGlass/>
+                    </a14:imgEffect>
+                  </a14:imgLayer>
+                </a14:imgProps>
+              </a:ext>
+            </a:extLst>
+          </a:blip>
+          <a:srcRect l="7505" t="86180" r="84551" b="7169"/>
+          <a:stretch/>
+        </p:blipFill>
+        <p:spPr>
+          <a:xfrm>
+            <a:off x="7161142" y="5722558"/>
+            <a:ext cx="496957" cy="137700"/>
+          </a:xfrm>
+          <a:prstGeom prst="rect">
+            <a:avLst/>
+          </a:prstGeom>
+        </p:spPr>
+      </p:pic>
+      <p:pic>
+        <p:nvPicPr>
+          <p:cNvPr id="38" name="図 37">
+            <a:extLst>
+              <a:ext uri="{FF2B5EF4-FFF2-40B4-BE49-F238E27FC236}">
+                <a16:creationId xmlns:a16="http://schemas.microsoft.com/office/drawing/2014/main" id="{9DB7CDC7-F096-425A-A2F1-974C05D1167F}"/>
+              </a:ext>
+            </a:extLst>
+          </p:cNvPr>
+          <p:cNvPicPr>
+            <a:picLocks noChangeAspect="1"/>
+          </p:cNvPicPr>
+          <p:nvPr/>
+        </p:nvPicPr>
+        <p:blipFill rotWithShape="1">
+          <a:blip r:embed="rId6">
+            <a:extLst>
+              <a:ext uri="{BEBA8EAE-BF5A-486C-A8C5-ECC9F3942E4B}">
+                <a14:imgProps xmlns:a14="http://schemas.microsoft.com/office/drawing/2010/main">
+                  <a14:imgLayer r:embed="rId7">
+                    <a14:imgEffect>
+                      <a14:artisticGlass/>
+                    </a14:imgEffect>
+                  </a14:imgLayer>
+                </a14:imgProps>
+              </a:ext>
+            </a:extLst>
+          </a:blip>
+          <a:srcRect l="41763" t="86181" r="46171" b="6248"/>
+          <a:stretch/>
+        </p:blipFill>
+        <p:spPr>
+          <a:xfrm>
+            <a:off x="9104969" y="5727320"/>
+            <a:ext cx="754855" cy="156749"/>
+          </a:xfrm>
+          <a:prstGeom prst="rect">
+            <a:avLst/>
+          </a:prstGeom>
+        </p:spPr>
+      </p:pic>
+      <p:pic>
+        <p:nvPicPr>
+          <p:cNvPr id="40" name="図 39">
+            <a:extLst>
+              <a:ext uri="{FF2B5EF4-FFF2-40B4-BE49-F238E27FC236}">
+                <a16:creationId xmlns:a16="http://schemas.microsoft.com/office/drawing/2014/main" id="{891DC9A5-1447-4973-812F-DBE5837C9130}"/>
+              </a:ext>
+            </a:extLst>
+          </p:cNvPr>
+          <p:cNvPicPr>
+            <a:picLocks noChangeAspect="1"/>
+          </p:cNvPicPr>
+          <p:nvPr/>
+        </p:nvPicPr>
+        <p:blipFill rotWithShape="1">
+          <a:blip r:embed="rId6">
+            <a:extLst>
+              <a:ext uri="{BEBA8EAE-BF5A-486C-A8C5-ECC9F3942E4B}">
+                <a14:imgProps xmlns:a14="http://schemas.microsoft.com/office/drawing/2010/main">
+                  <a14:imgLayer r:embed="rId7">
+                    <a14:imgEffect>
+                      <a14:artisticGlass/>
+                    </a14:imgEffect>
+                  </a14:imgLayer>
+                </a14:imgProps>
+              </a:ext>
+            </a:extLst>
+          </a:blip>
+          <a:srcRect l="41764" t="86181" r="37096" b="6248"/>
+          <a:stretch/>
+        </p:blipFill>
+        <p:spPr>
+          <a:xfrm>
+            <a:off x="10359888" y="5722558"/>
+            <a:ext cx="1322525" cy="156749"/>
+          </a:xfrm>
+          <a:prstGeom prst="rect">
+            <a:avLst/>
+          </a:prstGeom>
+        </p:spPr>
+      </p:pic>
+      <p:sp>
+        <p:nvSpPr>
+          <p:cNvPr id="42" name="四角形: 角を丸くする 41">
+            <a:extLst>
+              <a:ext uri="{FF2B5EF4-FFF2-40B4-BE49-F238E27FC236}">
+                <a16:creationId xmlns:a16="http://schemas.microsoft.com/office/drawing/2014/main" id="{6B9877F8-3DB8-4E12-B317-361EAF8ACAE5}"/>
+              </a:ext>
+            </a:extLst>
+          </p:cNvPr>
+          <p:cNvSpPr/>
+          <p:nvPr/>
+        </p:nvSpPr>
+        <p:spPr>
+          <a:xfrm>
+            <a:off x="8271069" y="5687332"/>
+            <a:ext cx="550637" cy="227200"/>
+          </a:xfrm>
+          <a:prstGeom prst="roundRect">
+            <a:avLst/>
+          </a:prstGeom>
+          <a:noFill/>
+          <a:ln w="28575">
+            <a:solidFill>
+              <a:srgbClr val="FF0000"/>
+            </a:solidFill>
+          </a:ln>
+        </p:spPr>
+        <p:style>
+          <a:lnRef idx="2">
+            <a:schemeClr val="accent1">
+              <a:shade val="50000"/>
+            </a:schemeClr>
+          </a:lnRef>
+          <a:fillRef idx="1">
+            <a:schemeClr val="accent1"/>
+          </a:fillRef>
+          <a:effectRef idx="0">
+            <a:schemeClr val="accent1"/>
+          </a:effectRef>
+          <a:fontRef idx="minor">
+            <a:schemeClr val="lt1"/>
+          </a:fontRef>
+        </p:style>
+        <p:txBody>
+          <a:bodyPr rtlCol="0" anchor="ctr"/>
+          <a:lstStyle/>
+          <a:p>
+            <a:pPr algn="ctr"/>
+            <a:endParaRPr kumimoji="1" lang="ja-JP" altLang="en-US">
+              <a:solidFill>
+                <a:srgbClr val="FF0000"/>
+              </a:solidFill>
+            </a:endParaRPr>
+          </a:p>
+        </p:txBody>
+      </p:sp>
+      <p:cxnSp>
+        <p:nvCxnSpPr>
+          <p:cNvPr id="44" name="直線矢印コネクタ 43">
+            <a:extLst>
+              <a:ext uri="{FF2B5EF4-FFF2-40B4-BE49-F238E27FC236}">
+                <a16:creationId xmlns:a16="http://schemas.microsoft.com/office/drawing/2014/main" id="{3BC467B4-DC04-4B39-BE0E-107234CC481C}"/>
+              </a:ext>
+            </a:extLst>
+          </p:cNvPr>
+          <p:cNvCxnSpPr>
+            <a:cxnSpLocks/>
+          </p:cNvCxnSpPr>
+          <p:nvPr/>
+        </p:nvCxnSpPr>
+        <p:spPr>
+          <a:xfrm>
+            <a:off x="5086666" y="5472291"/>
+            <a:ext cx="1604827" cy="335051"/>
+          </a:xfrm>
+          <a:prstGeom prst="straightConnector1">
+            <a:avLst/>
+          </a:prstGeom>
+          <a:ln w="28575">
+            <a:solidFill>
+              <a:srgbClr val="FF0000"/>
+            </a:solidFill>
+            <a:headEnd type="arrow" w="med" len="med"/>
+            <a:tailEnd type="none" w="med" len="med"/>
+          </a:ln>
+        </p:spPr>
+        <p:style>
+          <a:lnRef idx="1">
+            <a:schemeClr val="accent1"/>
+          </a:lnRef>
+          <a:fillRef idx="0">
+            <a:schemeClr val="accent1"/>
+          </a:fillRef>
+          <a:effectRef idx="0">
+            <a:schemeClr val="accent1"/>
+          </a:effectRef>
+          <a:fontRef idx="minor">
+            <a:schemeClr val="tx1"/>
+          </a:fontRef>
+        </p:style>
+      </p:cxnSp>
+    </p:spTree>
+    <p:extLst>
+      <p:ext uri="{BB962C8B-B14F-4D97-AF65-F5344CB8AC3E}">
+        <p14:creationId xmlns:p14="http://schemas.microsoft.com/office/powerpoint/2010/main" val="470133248"/>
+      </p:ext>
+    </p:extLst>
+  </p:cSld>
+  <p:clrMapOvr>
+    <a:masterClrMapping/>
+  </p:clrMapOvr>
+</p:sld>
+</file>
+
 <file path=ppt/theme/theme1.xml><?xml version="1.0" encoding="utf-8"?>
 <a:theme xmlns:a="http://schemas.openxmlformats.org/drawingml/2006/main" name="Office テーマ">
   <a:themeElements>
@@ -7918,4 +9043,299 @@
     </a:ext>
   </a:extLst>
 </a:theme>
+</file>
+
+<file path=ppt/theme/theme2.xml><?xml version="1.0" encoding="utf-8"?>
+<a:theme xmlns:a="http://schemas.openxmlformats.org/drawingml/2006/main" name="Office テーマ">
+  <a:themeElements>
+    <a:clrScheme name="Office">
+      <a:dk1>
+        <a:sysClr val="windowText" lastClr="000000"/>
+      </a:dk1>
+      <a:lt1>
+        <a:sysClr val="window" lastClr="FFFFFF"/>
+      </a:lt1>
+      <a:dk2>
+        <a:srgbClr val="44546A"/>
+      </a:dk2>
+      <a:lt2>
+        <a:srgbClr val="E7E6E6"/>
+      </a:lt2>
+      <a:accent1>
+        <a:srgbClr val="4472C4"/>
+      </a:accent1>
+      <a:accent2>
+        <a:srgbClr val="ED7D31"/>
+      </a:accent2>
+      <a:accent3>
+        <a:srgbClr val="A5A5A5"/>
+      </a:accent3>
+      <a:accent4>
+        <a:srgbClr val="FFC000"/>
+      </a:accent4>
+      <a:accent5>
+        <a:srgbClr val="5B9BD5"/>
+      </a:accent5>
+      <a:accent6>
+        <a:srgbClr val="70AD47"/>
+      </a:accent6>
+      <a:hlink>
+        <a:srgbClr val="0563C1"/>
+      </a:hlink>
+      <a:folHlink>
+        <a:srgbClr val="954F72"/>
+      </a:folHlink>
+    </a:clrScheme>
+    <a:fontScheme name="Office">
+      <a:majorFont>
+        <a:latin typeface="游ゴシック Light" panose="020F0302020204030204"/>
+        <a:ea typeface=""/>
+        <a:cs typeface=""/>
+        <a:font script="Jpan" typeface="游ゴシック Light"/>
+        <a:font script="Hang" typeface="맑은 고딕"/>
+        <a:font script="Hans" typeface="等线 Light"/>
+        <a:font script="Hant" typeface="新細明體"/>
+        <a:font script="Arab" typeface="Times New Roman"/>
+        <a:font script="Hebr" typeface="Times New Roman"/>
+        <a:font script="Thai" typeface="Angsana New"/>
+        <a:font script="Ethi" typeface="Nyala"/>
+        <a:font script="Beng" typeface="Vrinda"/>
+        <a:font script="Gujr" typeface="Shruti"/>
+        <a:font script="Khmr" typeface="MoolBoran"/>
+        <a:font script="Knda" typeface="Tunga"/>
+        <a:font script="Guru" typeface="Raavi"/>
+        <a:font script="Cans" typeface="Euphemia"/>
+        <a:font script="Cher" typeface="Plantagenet Cherokee"/>
+        <a:font script="Yiii" typeface="Microsoft Yi Baiti"/>
+        <a:font script="Tibt" typeface="Microsoft Himalaya"/>
+        <a:font script="Thaa" typeface="MV Boli"/>
+        <a:font script="Deva" typeface="Mangal"/>
+        <a:font script="Telu" typeface="Gautami"/>
+        <a:font script="Taml" typeface="Latha"/>
+        <a:font script="Syrc" typeface="Estrangelo Edessa"/>
+        <a:font script="Orya" typeface="Kalinga"/>
+        <a:font script="Mlym" typeface="Kartika"/>
+        <a:font script="Laoo" typeface="DokChampa"/>
+        <a:font script="Sinh" typeface="Iskoola Pota"/>
+        <a:font script="Mong" typeface="Mongolian Baiti"/>
+        <a:font script="Viet" typeface="Times New Roman"/>
+        <a:font script="Uigh" typeface="Microsoft Uighur"/>
+        <a:font script="Geor" typeface="Sylfaen"/>
+        <a:font script="Armn" typeface="Arial"/>
+        <a:font script="Bugi" typeface="Leelawadee UI"/>
+        <a:font script="Bopo" typeface="Microsoft JhengHei"/>
+        <a:font script="Java" typeface="Javanese Text"/>
+        <a:font script="Lisu" typeface="Segoe UI"/>
+        <a:font script="Mymr" typeface="Myanmar Text"/>
+        <a:font script="Nkoo" typeface="Ebrima"/>
+        <a:font script="Olck" typeface="Nirmala UI"/>
+        <a:font script="Osma" typeface="Ebrima"/>
+        <a:font script="Phag" typeface="Phagspa"/>
+        <a:font script="Syrn" typeface="Estrangelo Edessa"/>
+        <a:font script="Syrj" typeface="Estrangelo Edessa"/>
+        <a:font script="Syre" typeface="Estrangelo Edessa"/>
+        <a:font script="Sora" typeface="Nirmala UI"/>
+        <a:font script="Tale" typeface="Microsoft Tai Le"/>
+        <a:font script="Talu" typeface="Microsoft New Tai Lue"/>
+        <a:font script="Tfng" typeface="Ebrima"/>
+      </a:majorFont>
+      <a:minorFont>
+        <a:latin typeface="游ゴシック" panose="020F0502020204030204"/>
+        <a:ea typeface=""/>
+        <a:cs typeface=""/>
+        <a:font script="Jpan" typeface="游ゴシック"/>
+        <a:font script="Hang" typeface="맑은 고딕"/>
+        <a:font script="Hans" typeface="等线"/>
+        <a:font script="Hant" typeface="新細明體"/>
+        <a:font script="Arab" typeface="Arial"/>
+        <a:font script="Hebr" typeface="Arial"/>
+        <a:font script="Thai" typeface="Cordia New"/>
+        <a:font script="Ethi" typeface="Nyala"/>
+        <a:font script="Beng" typeface="Vrinda"/>
+        <a:font script="Gujr" typeface="Shruti"/>
+        <a:font script="Khmr" typeface="DaunPenh"/>
+        <a:font script="Knda" typeface="Tunga"/>
+        <a:font script="Guru" typeface="Raavi"/>
+        <a:font script="Cans" typeface="Euphemia"/>
+        <a:font script="Cher" typeface="Plantagenet Cherokee"/>
+        <a:font script="Yiii" typeface="Microsoft Yi Baiti"/>
+        <a:font script="Tibt" typeface="Microsoft Himalaya"/>
+        <a:font script="Thaa" typeface="MV Boli"/>
+        <a:font script="Deva" typeface="Mangal"/>
+        <a:font script="Telu" typeface="Gautami"/>
+        <a:font script="Taml" typeface="Latha"/>
+        <a:font script="Syrc" typeface="Estrangelo Edessa"/>
+        <a:font script="Orya" typeface="Kalinga"/>
+        <a:font script="Mlym" typeface="Kartika"/>
+        <a:font script="Laoo" typeface="DokChampa"/>
+        <a:font script="Sinh" typeface="Iskoola Pota"/>
+        <a:font script="Mong" typeface="Mongolian Baiti"/>
+        <a:font script="Viet" typeface="Arial"/>
+        <a:font script="Uigh" typeface="Microsoft Uighur"/>
+        <a:font script="Geor" typeface="Sylfaen"/>
+        <a:font script="Armn" typeface="Arial"/>
+        <a:font script="Bugi" typeface="Leelawadee UI"/>
+        <a:font script="Bopo" typeface="Microsoft JhengHei"/>
+        <a:font script="Java" typeface="Javanese Text"/>
+        <a:font script="Lisu" typeface="Segoe UI"/>
+        <a:font script="Mymr" typeface="Myanmar Text"/>
+        <a:font script="Nkoo" typeface="Ebrima"/>
+        <a:font script="Olck" typeface="Nirmala UI"/>
+        <a:font script="Osma" typeface="Ebrima"/>
+        <a:font script="Phag" typeface="Phagspa"/>
+        <a:font script="Syrn" typeface="Estrangelo Edessa"/>
+        <a:font script="Syrj" typeface="Estrangelo Edessa"/>
+        <a:font script="Syre" typeface="Estrangelo Edessa"/>
+        <a:font script="Sora" typeface="Nirmala UI"/>
+        <a:font script="Tale" typeface="Microsoft Tai Le"/>
+        <a:font script="Talu" typeface="Microsoft New Tai Lue"/>
+        <a:font script="Tfng" typeface="Ebrima"/>
+      </a:minorFont>
+    </a:fontScheme>
+    <a:fmtScheme name="Office">
+      <a:fillStyleLst>
+        <a:solidFill>
+          <a:schemeClr val="phClr"/>
+        </a:solidFill>
+        <a:gradFill rotWithShape="1">
+          <a:gsLst>
+            <a:gs pos="0">
+              <a:schemeClr val="phClr">
+                <a:lumMod val="110000"/>
+                <a:satMod val="105000"/>
+                <a:tint val="67000"/>
+              </a:schemeClr>
+            </a:gs>
+            <a:gs pos="50000">
+              <a:schemeClr val="phClr">
+                <a:lumMod val="105000"/>
+                <a:satMod val="103000"/>
+                <a:tint val="73000"/>
+              </a:schemeClr>
+            </a:gs>
+            <a:gs pos="100000">
+              <a:schemeClr val="phClr">
+                <a:lumMod val="105000"/>
+                <a:satMod val="109000"/>
+                <a:tint val="81000"/>
+              </a:schemeClr>
+            </a:gs>
+          </a:gsLst>
+          <a:lin ang="5400000" scaled="0"/>
+        </a:gradFill>
+        <a:gradFill rotWithShape="1">
+          <a:gsLst>
+            <a:gs pos="0">
+              <a:schemeClr val="phClr">
+                <a:satMod val="103000"/>
+                <a:lumMod val="102000"/>
+                <a:tint val="94000"/>
+              </a:schemeClr>
+            </a:gs>
+            <a:gs pos="50000">
+              <a:schemeClr val="phClr">
+                <a:satMod val="110000"/>
+                <a:lumMod val="100000"/>
+                <a:shade val="100000"/>
+              </a:schemeClr>
+            </a:gs>
+            <a:gs pos="100000">
+              <a:schemeClr val="phClr">
+                <a:lumMod val="99000"/>
+                <a:satMod val="120000"/>
+                <a:shade val="78000"/>
+              </a:schemeClr>
+            </a:gs>
+          </a:gsLst>
+          <a:lin ang="5400000" scaled="0"/>
+        </a:gradFill>
+      </a:fillStyleLst>
+      <a:lnStyleLst>
+        <a:ln w="6350" cap="flat" cmpd="sng" algn="ctr">
+          <a:solidFill>
+            <a:schemeClr val="phClr"/>
+          </a:solidFill>
+          <a:prstDash val="solid"/>
+          <a:miter lim="800000"/>
+        </a:ln>
+        <a:ln w="12700" cap="flat" cmpd="sng" algn="ctr">
+          <a:solidFill>
+            <a:schemeClr val="phClr"/>
+          </a:solidFill>
+          <a:prstDash val="solid"/>
+          <a:miter lim="800000"/>
+        </a:ln>
+        <a:ln w="19050" cap="flat" cmpd="sng" algn="ctr">
+          <a:solidFill>
+            <a:schemeClr val="phClr"/>
+          </a:solidFill>
+          <a:prstDash val="solid"/>
+          <a:miter lim="800000"/>
+        </a:ln>
+      </a:lnStyleLst>
+      <a:effectStyleLst>
+        <a:effectStyle>
+          <a:effectLst/>
+        </a:effectStyle>
+        <a:effectStyle>
+          <a:effectLst/>
+        </a:effectStyle>
+        <a:effectStyle>
+          <a:effectLst>
+            <a:outerShdw blurRad="57150" dist="19050" dir="5400000" algn="ctr" rotWithShape="0">
+              <a:srgbClr val="000000">
+                <a:alpha val="63000"/>
+              </a:srgbClr>
+            </a:outerShdw>
+          </a:effectLst>
+        </a:effectStyle>
+      </a:effectStyleLst>
+      <a:bgFillStyleLst>
+        <a:solidFill>
+          <a:schemeClr val="phClr"/>
+        </a:solidFill>
+        <a:solidFill>
+          <a:schemeClr val="phClr">
+            <a:tint val="95000"/>
+            <a:satMod val="170000"/>
+          </a:schemeClr>
+        </a:solidFill>
+        <a:gradFill rotWithShape="1">
+          <a:gsLst>
+            <a:gs pos="0">
+              <a:schemeClr val="phClr">
+                <a:tint val="93000"/>
+                <a:satMod val="150000"/>
+                <a:shade val="98000"/>
+                <a:lumMod val="102000"/>
+              </a:schemeClr>
+            </a:gs>
+            <a:gs pos="50000">
+              <a:schemeClr val="phClr">
+                <a:tint val="98000"/>
+                <a:satMod val="130000"/>
+                <a:shade val="90000"/>
+                <a:lumMod val="103000"/>
+              </a:schemeClr>
+            </a:gs>
+            <a:gs pos="100000">
+              <a:schemeClr val="phClr">
+                <a:shade val="63000"/>
+                <a:satMod val="120000"/>
+              </a:schemeClr>
+            </a:gs>
+          </a:gsLst>
+          <a:lin ang="5400000" scaled="0"/>
+        </a:gradFill>
+      </a:bgFillStyleLst>
+    </a:fmtScheme>
+  </a:themeElements>
+  <a:objectDefaults/>
+  <a:extraClrSchemeLst/>
+  <a:extLst>
+    <a:ext uri="{05A4C25C-085E-4340-85A3-A5531E510DB2}">
+      <thm15:themeFamily xmlns:thm15="http://schemas.microsoft.com/office/thememl/2012/main" name="Office Theme" id="{62F939B6-93AF-4DB8-9C6B-D6C7DFDC589F}" vid="{4A3C46E8-61CC-4603-A589-7422A47A8E4A}"/>
+    </a:ext>
+  </a:extLst>
+</a:theme>
 </file>
--- a/vmextension-for-azurekeyvault/images/figures.pptx
+++ b/vmextension-for-azurekeyvault/images/figures.pptx
@@ -5,14 +5,16 @@
     <p:sldMasterId id="2147483648" r:id="rId1"/>
   </p:sldMasterIdLst>
   <p:notesMasterIdLst>
-    <p:notesMasterId r:id="rId7"/>
+    <p:notesMasterId r:id="rId9"/>
   </p:notesMasterIdLst>
   <p:sldIdLst>
     <p:sldId id="256" r:id="rId2"/>
     <p:sldId id="257" r:id="rId3"/>
     <p:sldId id="258" r:id="rId4"/>
     <p:sldId id="259" r:id="rId5"/>
-    <p:sldId id="260" r:id="rId6"/>
+    <p:sldId id="262" r:id="rId6"/>
+    <p:sldId id="260" r:id="rId7"/>
+    <p:sldId id="261" r:id="rId8"/>
   </p:sldIdLst>
   <p:sldSz cx="12192000" cy="6858000"/>
   <p:notesSz cx="6858000" cy="9144000"/>
@@ -111,6 +113,11 @@
       </a:defRPr>
     </a:lvl9pPr>
   </p:defaultTextStyle>
+  <p:extLst>
+    <p:ext uri="{EFAFB233-063F-42B5-8137-9DF3F51BA10A}">
+      <p15:sldGuideLst xmlns:p15="http://schemas.microsoft.com/office/powerpoint/2012/main"/>
+    </p:ext>
+  </p:extLst>
 </p:presentation>
 </file>
 
@@ -196,7 +203,7 @@
           <a:p>
             <a:fld id="{52166586-76F7-4F5F-BB8F-93D6699C073D}" type="datetimeFigureOut">
               <a:rPr kumimoji="1" lang="ja-JP" altLang="en-US" smtClean="0"/>
-              <a:t>2020/12/16</a:t>
+              <a:t>2020/12/17</a:t>
             </a:fld>
             <a:endParaRPr kumimoji="1" lang="ja-JP" altLang="en-US"/>
           </a:p>
@@ -560,7 +567,7 @@
           <a:p>
             <a:fld id="{4A5A7105-E8A8-4A63-ADF6-13D5D3BD7787}" type="slidenum">
               <a:rPr kumimoji="1" lang="ja-JP" altLang="en-US" smtClean="0"/>
-              <a:t>5</a:t>
+              <a:t>6</a:t>
             </a:fld>
             <a:endParaRPr kumimoji="1" lang="ja-JP" altLang="en-US"/>
           </a:p>
@@ -726,7 +733,7 @@
           <a:p>
             <a:fld id="{41655750-29AD-4935-82BF-D8FC09A15D8B}" type="datetimeFigureOut">
               <a:rPr kumimoji="1" lang="ja-JP" altLang="en-US" smtClean="0"/>
-              <a:t>2020/12/16</a:t>
+              <a:t>2020/12/17</a:t>
             </a:fld>
             <a:endParaRPr kumimoji="1" lang="ja-JP" altLang="en-US"/>
           </a:p>
@@ -956,7 +963,7 @@
           <a:p>
             <a:fld id="{41655750-29AD-4935-82BF-D8FC09A15D8B}" type="datetimeFigureOut">
               <a:rPr kumimoji="1" lang="ja-JP" altLang="en-US" smtClean="0"/>
-              <a:t>2020/12/16</a:t>
+              <a:t>2020/12/17</a:t>
             </a:fld>
             <a:endParaRPr kumimoji="1" lang="ja-JP" altLang="en-US"/>
           </a:p>
@@ -1196,7 +1203,7 @@
           <a:p>
             <a:fld id="{41655750-29AD-4935-82BF-D8FC09A15D8B}" type="datetimeFigureOut">
               <a:rPr kumimoji="1" lang="ja-JP" altLang="en-US" smtClean="0"/>
-              <a:t>2020/12/16</a:t>
+              <a:t>2020/12/17</a:t>
             </a:fld>
             <a:endParaRPr kumimoji="1" lang="ja-JP" altLang="en-US"/>
           </a:p>
@@ -1426,7 +1433,7 @@
           <a:p>
             <a:fld id="{41655750-29AD-4935-82BF-D8FC09A15D8B}" type="datetimeFigureOut">
               <a:rPr kumimoji="1" lang="ja-JP" altLang="en-US" smtClean="0"/>
-              <a:t>2020/12/16</a:t>
+              <a:t>2020/12/17</a:t>
             </a:fld>
             <a:endParaRPr kumimoji="1" lang="ja-JP" altLang="en-US"/>
           </a:p>
@@ -1701,7 +1708,7 @@
           <a:p>
             <a:fld id="{41655750-29AD-4935-82BF-D8FC09A15D8B}" type="datetimeFigureOut">
               <a:rPr kumimoji="1" lang="ja-JP" altLang="en-US" smtClean="0"/>
-              <a:t>2020/12/16</a:t>
+              <a:t>2020/12/17</a:t>
             </a:fld>
             <a:endParaRPr kumimoji="1" lang="ja-JP" altLang="en-US"/>
           </a:p>
@@ -2030,7 +2037,7 @@
           <a:p>
             <a:fld id="{41655750-29AD-4935-82BF-D8FC09A15D8B}" type="datetimeFigureOut">
               <a:rPr kumimoji="1" lang="ja-JP" altLang="en-US" smtClean="0"/>
-              <a:t>2020/12/16</a:t>
+              <a:t>2020/12/17</a:t>
             </a:fld>
             <a:endParaRPr kumimoji="1" lang="ja-JP" altLang="en-US"/>
           </a:p>
@@ -2506,7 +2513,7 @@
           <a:p>
             <a:fld id="{41655750-29AD-4935-82BF-D8FC09A15D8B}" type="datetimeFigureOut">
               <a:rPr kumimoji="1" lang="ja-JP" altLang="en-US" smtClean="0"/>
-              <a:t>2020/12/16</a:t>
+              <a:t>2020/12/17</a:t>
             </a:fld>
             <a:endParaRPr kumimoji="1" lang="ja-JP" altLang="en-US"/>
           </a:p>
@@ -2647,7 +2654,7 @@
           <a:p>
             <a:fld id="{41655750-29AD-4935-82BF-D8FC09A15D8B}" type="datetimeFigureOut">
               <a:rPr kumimoji="1" lang="ja-JP" altLang="en-US" smtClean="0"/>
-              <a:t>2020/12/16</a:t>
+              <a:t>2020/12/17</a:t>
             </a:fld>
             <a:endParaRPr kumimoji="1" lang="ja-JP" altLang="en-US"/>
           </a:p>
@@ -2760,7 +2767,7 @@
           <a:p>
             <a:fld id="{41655750-29AD-4935-82BF-D8FC09A15D8B}" type="datetimeFigureOut">
               <a:rPr kumimoji="1" lang="ja-JP" altLang="en-US" smtClean="0"/>
-              <a:t>2020/12/16</a:t>
+              <a:t>2020/12/17</a:t>
             </a:fld>
             <a:endParaRPr kumimoji="1" lang="ja-JP" altLang="en-US"/>
           </a:p>
@@ -3103,7 +3110,7 @@
           <a:p>
             <a:fld id="{41655750-29AD-4935-82BF-D8FC09A15D8B}" type="datetimeFigureOut">
               <a:rPr kumimoji="1" lang="ja-JP" altLang="en-US" smtClean="0"/>
-              <a:t>2020/12/16</a:t>
+              <a:t>2020/12/17</a:t>
             </a:fld>
             <a:endParaRPr kumimoji="1" lang="ja-JP" altLang="en-US"/>
           </a:p>
@@ -3391,7 +3398,7 @@
           <a:p>
             <a:fld id="{41655750-29AD-4935-82BF-D8FC09A15D8B}" type="datetimeFigureOut">
               <a:rPr kumimoji="1" lang="ja-JP" altLang="en-US" smtClean="0"/>
-              <a:t>2020/12/16</a:t>
+              <a:t>2020/12/17</a:t>
             </a:fld>
             <a:endParaRPr kumimoji="1" lang="ja-JP" altLang="en-US"/>
           </a:p>
@@ -3664,7 +3671,7 @@
           <a:p>
             <a:fld id="{41655750-29AD-4935-82BF-D8FC09A15D8B}" type="datetimeFigureOut">
               <a:rPr kumimoji="1" lang="ja-JP" altLang="en-US" smtClean="0"/>
-              <a:t>2020/12/16</a:t>
+              <a:t>2020/12/17</a:t>
             </a:fld>
             <a:endParaRPr kumimoji="1" lang="ja-JP" altLang="en-US"/>
           </a:p>
@@ -8113,6 +8120,293 @@
       </p:grpSpPr>
       <p:pic>
         <p:nvPicPr>
+          <p:cNvPr id="7" name="図 6">
+            <a:extLst>
+              <a:ext uri="{FF2B5EF4-FFF2-40B4-BE49-F238E27FC236}">
+                <a16:creationId xmlns:a16="http://schemas.microsoft.com/office/drawing/2014/main" id="{3A2D8D5F-E45A-48EC-9115-215851E3C843}"/>
+              </a:ext>
+            </a:extLst>
+          </p:cNvPr>
+          <p:cNvPicPr>
+            <a:picLocks noChangeAspect="1"/>
+          </p:cNvPicPr>
+          <p:nvPr/>
+        </p:nvPicPr>
+        <p:blipFill>
+          <a:blip r:embed="rId2"/>
+          <a:stretch>
+            <a:fillRect/>
+          </a:stretch>
+        </p:blipFill>
+        <p:spPr>
+          <a:xfrm>
+            <a:off x="1060267" y="749576"/>
+            <a:ext cx="10071465" cy="5358848"/>
+          </a:xfrm>
+          <a:prstGeom prst="rect">
+            <a:avLst/>
+          </a:prstGeom>
+        </p:spPr>
+      </p:pic>
+      <p:sp>
+        <p:nvSpPr>
+          <p:cNvPr id="9" name="四角形: 角を丸くする 8">
+            <a:extLst>
+              <a:ext uri="{FF2B5EF4-FFF2-40B4-BE49-F238E27FC236}">
+                <a16:creationId xmlns:a16="http://schemas.microsoft.com/office/drawing/2014/main" id="{E53CEBAC-B903-48F0-A57A-D1B88F706D8B}"/>
+              </a:ext>
+            </a:extLst>
+          </p:cNvPr>
+          <p:cNvSpPr/>
+          <p:nvPr/>
+        </p:nvSpPr>
+        <p:spPr>
+          <a:xfrm>
+            <a:off x="3812872" y="4718217"/>
+            <a:ext cx="1067241" cy="465039"/>
+          </a:xfrm>
+          <a:prstGeom prst="roundRect">
+            <a:avLst/>
+          </a:prstGeom>
+          <a:noFill/>
+          <a:ln w="28575">
+            <a:solidFill>
+              <a:srgbClr val="FF0000"/>
+            </a:solidFill>
+          </a:ln>
+        </p:spPr>
+        <p:style>
+          <a:lnRef idx="2">
+            <a:schemeClr val="accent1">
+              <a:shade val="50000"/>
+            </a:schemeClr>
+          </a:lnRef>
+          <a:fillRef idx="1">
+            <a:schemeClr val="accent1"/>
+          </a:fillRef>
+          <a:effectRef idx="0">
+            <a:schemeClr val="accent1"/>
+          </a:effectRef>
+          <a:fontRef idx="minor">
+            <a:schemeClr val="lt1"/>
+          </a:fontRef>
+        </p:style>
+        <p:txBody>
+          <a:bodyPr rtlCol="0" anchor="ctr"/>
+          <a:lstStyle/>
+          <a:p>
+            <a:pPr algn="ctr"/>
+            <a:endParaRPr kumimoji="1" lang="ja-JP" altLang="en-US">
+              <a:solidFill>
+                <a:srgbClr val="FF0000"/>
+              </a:solidFill>
+            </a:endParaRPr>
+          </a:p>
+        </p:txBody>
+      </p:sp>
+      <p:sp>
+        <p:nvSpPr>
+          <p:cNvPr id="11" name="四角形: 角を丸くする 10">
+            <a:extLst>
+              <a:ext uri="{FF2B5EF4-FFF2-40B4-BE49-F238E27FC236}">
+                <a16:creationId xmlns:a16="http://schemas.microsoft.com/office/drawing/2014/main" id="{FA5B5FCD-10DC-4EF8-B83B-CB13DEEE348E}"/>
+              </a:ext>
+            </a:extLst>
+          </p:cNvPr>
+          <p:cNvSpPr/>
+          <p:nvPr/>
+        </p:nvSpPr>
+        <p:spPr>
+          <a:xfrm>
+            <a:off x="8847629" y="4718217"/>
+            <a:ext cx="1291362" cy="465039"/>
+          </a:xfrm>
+          <a:prstGeom prst="roundRect">
+            <a:avLst/>
+          </a:prstGeom>
+          <a:noFill/>
+          <a:ln w="28575">
+            <a:solidFill>
+              <a:srgbClr val="FF0000"/>
+            </a:solidFill>
+          </a:ln>
+        </p:spPr>
+        <p:style>
+          <a:lnRef idx="2">
+            <a:schemeClr val="accent1">
+              <a:shade val="50000"/>
+            </a:schemeClr>
+          </a:lnRef>
+          <a:fillRef idx="1">
+            <a:schemeClr val="accent1"/>
+          </a:fillRef>
+          <a:effectRef idx="0">
+            <a:schemeClr val="accent1"/>
+          </a:effectRef>
+          <a:fontRef idx="minor">
+            <a:schemeClr val="lt1"/>
+          </a:fontRef>
+        </p:style>
+        <p:txBody>
+          <a:bodyPr rtlCol="0" anchor="ctr"/>
+          <a:lstStyle/>
+          <a:p>
+            <a:pPr algn="ctr"/>
+            <a:endParaRPr kumimoji="1" lang="ja-JP" altLang="en-US">
+              <a:solidFill>
+                <a:srgbClr val="FF0000"/>
+              </a:solidFill>
+            </a:endParaRPr>
+          </a:p>
+        </p:txBody>
+      </p:sp>
+      <p:sp>
+        <p:nvSpPr>
+          <p:cNvPr id="12" name="吹き出し: 角を丸めた四角形 11">
+            <a:extLst>
+              <a:ext uri="{FF2B5EF4-FFF2-40B4-BE49-F238E27FC236}">
+                <a16:creationId xmlns:a16="http://schemas.microsoft.com/office/drawing/2014/main" id="{3EFF7679-D7A1-490E-B368-AA2D145C7BBF}"/>
+              </a:ext>
+            </a:extLst>
+          </p:cNvPr>
+          <p:cNvSpPr/>
+          <p:nvPr/>
+        </p:nvSpPr>
+        <p:spPr>
+          <a:xfrm>
+            <a:off x="4706178" y="3617843"/>
+            <a:ext cx="1798983" cy="810040"/>
+          </a:xfrm>
+          <a:prstGeom prst="wedgeRoundRectCallout">
+            <a:avLst>
+              <a:gd name="adj1" fmla="val -53982"/>
+              <a:gd name="adj2" fmla="val 83972"/>
+              <a:gd name="adj3" fmla="val 16667"/>
+            </a:avLst>
+          </a:prstGeom>
+        </p:spPr>
+        <p:style>
+          <a:lnRef idx="1">
+            <a:schemeClr val="accent2"/>
+          </a:lnRef>
+          <a:fillRef idx="2">
+            <a:schemeClr val="accent2"/>
+          </a:fillRef>
+          <a:effectRef idx="1">
+            <a:schemeClr val="accent2"/>
+          </a:effectRef>
+          <a:fontRef idx="minor">
+            <a:schemeClr val="dk1"/>
+          </a:fontRef>
+        </p:style>
+        <p:txBody>
+          <a:bodyPr rtlCol="0" anchor="ctr"/>
+          <a:lstStyle/>
+          <a:p>
+            <a:pPr algn="ctr"/>
+            <a:r>
+              <a:rPr kumimoji="1" lang="ja-JP" altLang="en-US" sz="1600" dirty="0"/>
+              <a:t>仮想マシンの</a:t>
+            </a:r>
+            <a:br>
+              <a:rPr kumimoji="1" lang="en-US" altLang="ja-JP" sz="1600" dirty="0"/>
+            </a:br>
+            <a:r>
+              <a:rPr kumimoji="1" lang="en-US" altLang="ja-JP" sz="1600" dirty="0" err="1"/>
+              <a:t>ManagedID</a:t>
+            </a:r>
+            <a:endParaRPr kumimoji="1" lang="ja-JP" altLang="en-US" sz="1600" dirty="0"/>
+          </a:p>
+        </p:txBody>
+      </p:sp>
+      <p:sp>
+        <p:nvSpPr>
+          <p:cNvPr id="14" name="吹き出し: 角を丸めた四角形 13">
+            <a:extLst>
+              <a:ext uri="{FF2B5EF4-FFF2-40B4-BE49-F238E27FC236}">
+                <a16:creationId xmlns:a16="http://schemas.microsoft.com/office/drawing/2014/main" id="{FEF8D529-C983-4AB6-BE68-F44738E321B5}"/>
+              </a:ext>
+            </a:extLst>
+          </p:cNvPr>
+          <p:cNvSpPr/>
+          <p:nvPr/>
+        </p:nvSpPr>
+        <p:spPr>
+          <a:xfrm>
+            <a:off x="10151072" y="3785152"/>
+            <a:ext cx="1798983" cy="810040"/>
+          </a:xfrm>
+          <a:prstGeom prst="wedgeRoundRectCallout">
+            <a:avLst>
+              <a:gd name="adj1" fmla="val -53982"/>
+              <a:gd name="adj2" fmla="val 83972"/>
+              <a:gd name="adj3" fmla="val 16667"/>
+            </a:avLst>
+          </a:prstGeom>
+        </p:spPr>
+        <p:style>
+          <a:lnRef idx="1">
+            <a:schemeClr val="accent2"/>
+          </a:lnRef>
+          <a:fillRef idx="2">
+            <a:schemeClr val="accent2"/>
+          </a:fillRef>
+          <a:effectRef idx="1">
+            <a:schemeClr val="accent2"/>
+          </a:effectRef>
+          <a:fontRef idx="minor">
+            <a:schemeClr val="dk1"/>
+          </a:fontRef>
+        </p:style>
+        <p:txBody>
+          <a:bodyPr rtlCol="0" anchor="ctr"/>
+          <a:lstStyle/>
+          <a:p>
+            <a:pPr algn="ctr"/>
+            <a:r>
+              <a:rPr kumimoji="1" lang="ja-JP" altLang="en-US" sz="1600" dirty="0"/>
+              <a:t>証明書の取得</a:t>
+            </a:r>
+            <a:r>
+              <a:rPr kumimoji="1" lang="ja-JP" altLang="en-US" sz="1600"/>
+              <a:t>を許可</a:t>
+            </a:r>
+            <a:endParaRPr kumimoji="1" lang="ja-JP" altLang="en-US" sz="1600" dirty="0"/>
+          </a:p>
+        </p:txBody>
+      </p:sp>
+    </p:spTree>
+    <p:extLst>
+      <p:ext uri="{BB962C8B-B14F-4D97-AF65-F5344CB8AC3E}">
+        <p14:creationId xmlns:p14="http://schemas.microsoft.com/office/powerpoint/2010/main" val="2438380718"/>
+      </p:ext>
+    </p:extLst>
+  </p:cSld>
+  <p:clrMapOvr>
+    <a:masterClrMapping/>
+  </p:clrMapOvr>
+</p:sld>
+</file>
+
+<file path=ppt/slides/slide6.xml><?xml version="1.0" encoding="utf-8"?>
+<p:sld xmlns:a="http://schemas.openxmlformats.org/drawingml/2006/main" xmlns:r="http://schemas.openxmlformats.org/officeDocument/2006/relationships" xmlns:p="http://schemas.openxmlformats.org/presentationml/2006/main">
+  <p:cSld>
+    <p:spTree>
+      <p:nvGrpSpPr>
+        <p:cNvPr id="1" name=""/>
+        <p:cNvGrpSpPr/>
+        <p:nvPr/>
+      </p:nvGrpSpPr>
+      <p:grpSpPr>
+        <a:xfrm>
+          <a:off x="0" y="0"/>
+          <a:ext cx="0" cy="0"/>
+          <a:chOff x="0" y="0"/>
+          <a:chExt cx="0" cy="0"/>
+        </a:xfrm>
+      </p:grpSpPr>
+      <p:pic>
+        <p:nvPicPr>
           <p:cNvPr id="28" name="図 27">
             <a:extLst>
               <a:ext uri="{FF2B5EF4-FFF2-40B4-BE49-F238E27FC236}">
@@ -8741,6 +9035,65 @@
     <p:extLst>
       <p:ext uri="{BB962C8B-B14F-4D97-AF65-F5344CB8AC3E}">
         <p14:creationId xmlns:p14="http://schemas.microsoft.com/office/powerpoint/2010/main" val="470133248"/>
+      </p:ext>
+    </p:extLst>
+  </p:cSld>
+  <p:clrMapOvr>
+    <a:masterClrMapping/>
+  </p:clrMapOvr>
+</p:sld>
+</file>
+
+<file path=ppt/slides/slide7.xml><?xml version="1.0" encoding="utf-8"?>
+<p:sld xmlns:a="http://schemas.openxmlformats.org/drawingml/2006/main" xmlns:r="http://schemas.openxmlformats.org/officeDocument/2006/relationships" xmlns:p="http://schemas.openxmlformats.org/presentationml/2006/main">
+  <p:cSld>
+    <p:spTree>
+      <p:nvGrpSpPr>
+        <p:cNvPr id="1" name=""/>
+        <p:cNvGrpSpPr/>
+        <p:nvPr/>
+      </p:nvGrpSpPr>
+      <p:grpSpPr>
+        <a:xfrm>
+          <a:off x="0" y="0"/>
+          <a:ext cx="0" cy="0"/>
+          <a:chOff x="0" y="0"/>
+          <a:chExt cx="0" cy="0"/>
+        </a:xfrm>
+      </p:grpSpPr>
+      <p:pic>
+        <p:nvPicPr>
+          <p:cNvPr id="3" name="図 2">
+            <a:extLst>
+              <a:ext uri="{FF2B5EF4-FFF2-40B4-BE49-F238E27FC236}">
+                <a16:creationId xmlns:a16="http://schemas.microsoft.com/office/drawing/2014/main" id="{3C09F948-F472-4CFD-922B-20A51B1A5BA4}"/>
+              </a:ext>
+            </a:extLst>
+          </p:cNvPr>
+          <p:cNvPicPr>
+            <a:picLocks noChangeAspect="1"/>
+          </p:cNvPicPr>
+          <p:nvPr/>
+        </p:nvPicPr>
+        <p:blipFill rotWithShape="1">
+          <a:blip r:embed="rId2"/>
+          <a:srcRect b="55450"/>
+          <a:stretch/>
+        </p:blipFill>
+        <p:spPr>
+          <a:xfrm>
+            <a:off x="494444" y="2904715"/>
+            <a:ext cx="5975790" cy="1567831"/>
+          </a:xfrm>
+          <a:prstGeom prst="rect">
+            <a:avLst/>
+          </a:prstGeom>
+        </p:spPr>
+      </p:pic>
+    </p:spTree>
+    <p:extLst>
+      <p:ext uri="{BB962C8B-B14F-4D97-AF65-F5344CB8AC3E}">
+        <p14:creationId xmlns:p14="http://schemas.microsoft.com/office/powerpoint/2010/main" val="1353173963"/>
       </p:ext>
     </p:extLst>
   </p:cSld>
